--- a/images/people/Resized Lab Member Pictures.pptx
+++ b/images/people/Resized Lab Member Pictures.pptx
@@ -109,6 +109,11 @@
       </a:defRPr>
     </a:lvl9pPr>
   </p:defaultTextStyle>
+  <p:extLst>
+    <p:ext uri="{EFAFB233-063F-42B5-8137-9DF3F51BA10A}">
+      <p15:sldGuideLst xmlns:p15="http://schemas.microsoft.com/office/powerpoint/2012/main"/>
+    </p:ext>
+  </p:extLst>
 </p:presentation>
 </file>
 
@@ -243,7 +248,7 @@
           <a:p>
             <a:fld id="{FFFB90B0-9059-1344-96D1-57308F6E471F}" type="datetimeFigureOut">
               <a:rPr lang="en-US" smtClean="0"/>
-              <a:t>2/6/23</a:t>
+              <a:t>2/13/23</a:t>
             </a:fld>
             <a:endParaRPr lang="en-US"/>
           </a:p>
@@ -413,7 +418,7 @@
           <a:p>
             <a:fld id="{FFFB90B0-9059-1344-96D1-57308F6E471F}" type="datetimeFigureOut">
               <a:rPr lang="en-US" smtClean="0"/>
-              <a:t>2/6/23</a:t>
+              <a:t>2/13/23</a:t>
             </a:fld>
             <a:endParaRPr lang="en-US"/>
           </a:p>
@@ -593,7 +598,7 @@
           <a:p>
             <a:fld id="{FFFB90B0-9059-1344-96D1-57308F6E471F}" type="datetimeFigureOut">
               <a:rPr lang="en-US" smtClean="0"/>
-              <a:t>2/6/23</a:t>
+              <a:t>2/13/23</a:t>
             </a:fld>
             <a:endParaRPr lang="en-US"/>
           </a:p>
@@ -763,7 +768,7 @@
           <a:p>
             <a:fld id="{FFFB90B0-9059-1344-96D1-57308F6E471F}" type="datetimeFigureOut">
               <a:rPr lang="en-US" smtClean="0"/>
-              <a:t>2/6/23</a:t>
+              <a:t>2/13/23</a:t>
             </a:fld>
             <a:endParaRPr lang="en-US"/>
           </a:p>
@@ -1007,7 +1012,7 @@
           <a:p>
             <a:fld id="{FFFB90B0-9059-1344-96D1-57308F6E471F}" type="datetimeFigureOut">
               <a:rPr lang="en-US" smtClean="0"/>
-              <a:t>2/6/23</a:t>
+              <a:t>2/13/23</a:t>
             </a:fld>
             <a:endParaRPr lang="en-US"/>
           </a:p>
@@ -1239,7 +1244,7 @@
           <a:p>
             <a:fld id="{FFFB90B0-9059-1344-96D1-57308F6E471F}" type="datetimeFigureOut">
               <a:rPr lang="en-US" smtClean="0"/>
-              <a:t>2/6/23</a:t>
+              <a:t>2/13/23</a:t>
             </a:fld>
             <a:endParaRPr lang="en-US"/>
           </a:p>
@@ -1606,7 +1611,7 @@
           <a:p>
             <a:fld id="{FFFB90B0-9059-1344-96D1-57308F6E471F}" type="datetimeFigureOut">
               <a:rPr lang="en-US" smtClean="0"/>
-              <a:t>2/6/23</a:t>
+              <a:t>2/13/23</a:t>
             </a:fld>
             <a:endParaRPr lang="en-US"/>
           </a:p>
@@ -1724,7 +1729,7 @@
           <a:p>
             <a:fld id="{FFFB90B0-9059-1344-96D1-57308F6E471F}" type="datetimeFigureOut">
               <a:rPr lang="en-US" smtClean="0"/>
-              <a:t>2/6/23</a:t>
+              <a:t>2/13/23</a:t>
             </a:fld>
             <a:endParaRPr lang="en-US"/>
           </a:p>
@@ -1819,7 +1824,7 @@
           <a:p>
             <a:fld id="{FFFB90B0-9059-1344-96D1-57308F6E471F}" type="datetimeFigureOut">
               <a:rPr lang="en-US" smtClean="0"/>
-              <a:t>2/6/23</a:t>
+              <a:t>2/13/23</a:t>
             </a:fld>
             <a:endParaRPr lang="en-US"/>
           </a:p>
@@ -2096,7 +2101,7 @@
           <a:p>
             <a:fld id="{FFFB90B0-9059-1344-96D1-57308F6E471F}" type="datetimeFigureOut">
               <a:rPr lang="en-US" smtClean="0"/>
-              <a:t>2/6/23</a:t>
+              <a:t>2/13/23</a:t>
             </a:fld>
             <a:endParaRPr lang="en-US"/>
           </a:p>
@@ -2353,7 +2358,7 @@
           <a:p>
             <a:fld id="{FFFB90B0-9059-1344-96D1-57308F6E471F}" type="datetimeFigureOut">
               <a:rPr lang="en-US" smtClean="0"/>
-              <a:t>2/6/23</a:t>
+              <a:t>2/13/23</a:t>
             </a:fld>
             <a:endParaRPr lang="en-US"/>
           </a:p>
@@ -2566,7 +2571,7 @@
           <a:p>
             <a:fld id="{FFFB90B0-9059-1344-96D1-57308F6E471F}" type="datetimeFigureOut">
               <a:rPr lang="en-US" smtClean="0"/>
-              <a:t>2/6/23</a:t>
+              <a:t>2/13/23</a:t>
             </a:fld>
             <a:endParaRPr lang="en-US"/>
           </a:p>
@@ -2987,13 +2992,13 @@
         </p:nvPicPr>
         <p:blipFill rotWithShape="1">
           <a:blip r:embed="rId2"/>
-          <a:srcRect b="21332"/>
+          <a:srcRect l="120" r="-1307"/>
           <a:stretch/>
         </p:blipFill>
         <p:spPr>
           <a:xfrm>
-            <a:off x="85725" y="-139039"/>
-            <a:ext cx="1704975" cy="2001893"/>
+            <a:off x="-120650" y="0"/>
+            <a:ext cx="2025650" cy="2001893"/>
           </a:xfrm>
           <a:prstGeom prst="rect">
             <a:avLst/>
